--- a/project Documentation/FirstWeekReview.pptx
+++ b/project Documentation/FirstWeekReview.pptx
@@ -227,6 +227,11 @@
                 </a:contourClr>
               </a:sp3d>
             </c:spPr>
+            <c:extLst>
+              <c:ext xmlns:c16="http://schemas.microsoft.com/office/drawing/2014/chart" uri="{C3380CC4-5D6E-409C-BE32-E72D297353CC}">
+                <c16:uniqueId val="{00000001-35B0-40EB-A3BA-B39FB7CEDA8D}"/>
+              </c:ext>
+            </c:extLst>
           </c:dPt>
           <c:dPt>
             <c:idx val="1"/>
@@ -247,6 +252,11 @@
                 </a:contourClr>
               </a:sp3d>
             </c:spPr>
+            <c:extLst>
+              <c:ext xmlns:c16="http://schemas.microsoft.com/office/drawing/2014/chart" uri="{C3380CC4-5D6E-409C-BE32-E72D297353CC}">
+                <c16:uniqueId val="{00000003-35B0-40EB-A3BA-B39FB7CEDA8D}"/>
+              </c:ext>
+            </c:extLst>
           </c:dPt>
           <c:cat>
             <c:strRef>
@@ -1887,7 +1897,7 @@
           <a:p>
             <a:fld id="{784DEA67-A527-4F06-A600-7F7A8BECD40D}" type="datetimeFigureOut">
               <a:rPr lang="en-US" smtClean="0"/>
-              <a:t>5/31/2020</a:t>
+              <a:t>6/1/2020</a:t>
             </a:fld>
             <a:endParaRPr lang="en-US"/>
           </a:p>
@@ -2052,7 +2062,7 @@
           <a:p>
             <a:fld id="{784DEA67-A527-4F06-A600-7F7A8BECD40D}" type="datetimeFigureOut">
               <a:rPr lang="en-US" smtClean="0"/>
-              <a:t>5/31/2020</a:t>
+              <a:t>6/1/2020</a:t>
             </a:fld>
             <a:endParaRPr lang="en-US"/>
           </a:p>
@@ -2227,7 +2237,7 @@
           <a:p>
             <a:fld id="{784DEA67-A527-4F06-A600-7F7A8BECD40D}" type="datetimeFigureOut">
               <a:rPr lang="en-US" smtClean="0"/>
-              <a:t>5/31/2020</a:t>
+              <a:t>6/1/2020</a:t>
             </a:fld>
             <a:endParaRPr lang="en-US"/>
           </a:p>
@@ -2392,7 +2402,7 @@
           <a:p>
             <a:fld id="{784DEA67-A527-4F06-A600-7F7A8BECD40D}" type="datetimeFigureOut">
               <a:rPr lang="en-US" smtClean="0"/>
-              <a:t>5/31/2020</a:t>
+              <a:t>6/1/2020</a:t>
             </a:fld>
             <a:endParaRPr lang="en-US"/>
           </a:p>
@@ -2633,7 +2643,7 @@
           <a:p>
             <a:fld id="{784DEA67-A527-4F06-A600-7F7A8BECD40D}" type="datetimeFigureOut">
               <a:rPr lang="en-US" smtClean="0"/>
-              <a:t>5/31/2020</a:t>
+              <a:t>6/1/2020</a:t>
             </a:fld>
             <a:endParaRPr lang="en-US"/>
           </a:p>
@@ -2916,7 +2926,7 @@
           <a:p>
             <a:fld id="{784DEA67-A527-4F06-A600-7F7A8BECD40D}" type="datetimeFigureOut">
               <a:rPr lang="en-US" smtClean="0"/>
-              <a:t>5/31/2020</a:t>
+              <a:t>6/1/2020</a:t>
             </a:fld>
             <a:endParaRPr lang="en-US"/>
           </a:p>
@@ -3333,7 +3343,7 @@
           <a:p>
             <a:fld id="{784DEA67-A527-4F06-A600-7F7A8BECD40D}" type="datetimeFigureOut">
               <a:rPr lang="en-US" smtClean="0"/>
-              <a:t>5/31/2020</a:t>
+              <a:t>6/1/2020</a:t>
             </a:fld>
             <a:endParaRPr lang="en-US"/>
           </a:p>
@@ -3446,7 +3456,7 @@
           <a:p>
             <a:fld id="{784DEA67-A527-4F06-A600-7F7A8BECD40D}" type="datetimeFigureOut">
               <a:rPr lang="en-US" smtClean="0"/>
-              <a:t>5/31/2020</a:t>
+              <a:t>6/1/2020</a:t>
             </a:fld>
             <a:endParaRPr lang="en-US"/>
           </a:p>
@@ -3536,7 +3546,7 @@
           <a:p>
             <a:fld id="{784DEA67-A527-4F06-A600-7F7A8BECD40D}" type="datetimeFigureOut">
               <a:rPr lang="en-US" smtClean="0"/>
-              <a:t>5/31/2020</a:t>
+              <a:t>6/1/2020</a:t>
             </a:fld>
             <a:endParaRPr lang="en-US"/>
           </a:p>
@@ -3808,7 +3818,7 @@
           <a:p>
             <a:fld id="{784DEA67-A527-4F06-A600-7F7A8BECD40D}" type="datetimeFigureOut">
               <a:rPr lang="en-US" smtClean="0"/>
-              <a:t>5/31/2020</a:t>
+              <a:t>6/1/2020</a:t>
             </a:fld>
             <a:endParaRPr lang="en-US"/>
           </a:p>
@@ -4056,7 +4066,7 @@
           <a:p>
             <a:fld id="{784DEA67-A527-4F06-A600-7F7A8BECD40D}" type="datetimeFigureOut">
               <a:rPr lang="en-US" smtClean="0"/>
-              <a:t>5/31/2020</a:t>
+              <a:t>6/1/2020</a:t>
             </a:fld>
             <a:endParaRPr lang="en-US"/>
           </a:p>
@@ -4264,7 +4274,7 @@
           <a:p>
             <a:fld id="{784DEA67-A527-4F06-A600-7F7A8BECD40D}" type="datetimeFigureOut">
               <a:rPr lang="en-US" smtClean="0"/>
-              <a:t>5/31/2020</a:t>
+              <a:t>6/1/2020</a:t>
             </a:fld>
             <a:endParaRPr lang="en-US"/>
           </a:p>
@@ -11996,7 +12006,7 @@
             <a:pPr algn="ctr"/>
             <a:r>
               <a:rPr lang="en-US" dirty="0" smtClean="0"/>
-              <a:t>Select target</a:t>
+              <a:t>Upload file to server</a:t>
             </a:r>
             <a:endParaRPr lang="en-US" dirty="0"/>
           </a:p>
